--- a/DAY01_20220921/DEVOPS_TRICKS_DAY01_21092022.pptx
+++ b/DAY01_20220921/DEVOPS_TRICKS_DAY01_21092022.pptx
@@ -3533,8 +3533,21 @@
           </a:solidFill>
         </p:spPr>
         <p:txBody>
-          <a:bodyPr/>
-          <a:lstStyle/>
+          <a:bodyPr>
+            <a:normAutofit fontScale="92500" lnSpcReduction="20000"/>
+          </a:bodyPr>
+          <a:lstStyle/>
+          <a:p>
+            <a:r>
+              <a:rPr lang="en-US" dirty="0"/>
+              <a:t>Python code for flask app/</a:t>
+            </a:r>
+            <a:r>
+              <a:rPr lang="en-US" dirty="0" err="1"/>
+              <a:t>api</a:t>
+            </a:r>
+            <a:endParaRPr lang="en-US" dirty="0"/>
+          </a:p>
           <a:p>
             <a:r>
               <a:rPr lang="en-US" dirty="0"/>
@@ -3543,6 +3556,29 @@
             <a:r>
               <a:rPr lang="en-US" dirty="0" err="1"/>
               <a:t>github</a:t>
+            </a:r>
+            <a:endParaRPr lang="en-US" dirty="0"/>
+          </a:p>
+          <a:p>
+            <a:r>
+              <a:rPr lang="en-US" dirty="0"/>
+              <a:t>https://</a:t>
+            </a:r>
+            <a:r>
+              <a:rPr lang="en-US" dirty="0" err="1"/>
+              <a:t>github.com</a:t>
+            </a:r>
+            <a:r>
+              <a:rPr lang="en-US" dirty="0"/>
+              <a:t>/ronidas39/</a:t>
+            </a:r>
+            <a:r>
+              <a:rPr lang="en-US" dirty="0" err="1"/>
+              <a:t>Devops</a:t>
+            </a:r>
+            <a:r>
+              <a:rPr lang="en-US"/>
+              <a:t>-Tricks</a:t>
             </a:r>
             <a:endParaRPr lang="en-US" dirty="0"/>
           </a:p>
